--- a/Devflix.pptx
+++ b/Devflix.pptx
@@ -16,23 +16,26 @@
     <p:sldId id="261" r:id="rId11"/>
     <p:sldId id="262" r:id="rId12"/>
     <p:sldId id="263" r:id="rId13"/>
+    <p:sldId id="264" r:id="rId14"/>
+    <p:sldId id="265" r:id="rId15"/>
+    <p:sldId id="266" r:id="rId16"/>
   </p:sldIdLst>
   <p:sldSz cy="5143500" cx="9144000"/>
   <p:notesSz cx="6858000" cy="9144000"/>
   <p:embeddedFontLst>
     <p:embeddedFont>
       <p:font typeface="Raleway"/>
-      <p:regular r:id="rId14"/>
-      <p:bold r:id="rId15"/>
-      <p:italic r:id="rId16"/>
-      <p:boldItalic r:id="rId17"/>
+      <p:regular r:id="rId17"/>
+      <p:bold r:id="rId18"/>
+      <p:italic r:id="rId19"/>
+      <p:boldItalic r:id="rId20"/>
     </p:embeddedFont>
     <p:embeddedFont>
       <p:font typeface="Lato"/>
-      <p:regular r:id="rId18"/>
-      <p:bold r:id="rId19"/>
-      <p:italic r:id="rId20"/>
-      <p:boldItalic r:id="rId21"/>
+      <p:regular r:id="rId21"/>
+      <p:bold r:id="rId22"/>
+      <p:italic r:id="rId23"/>
+      <p:boldItalic r:id="rId24"/>
     </p:embeddedFont>
   </p:embeddedFontLst>
   <p:defaultTextStyle>
@@ -808,6 +811,204 @@
 </p:notes>
 </file>
 
+<file path=ppt/notesSlides/notesSlide10.xml><?xml version="1.0" encoding="utf-8"?>
+<p:notes xmlns:a="http://schemas.openxmlformats.org/drawingml/2006/main" xmlns:r="http://schemas.openxmlformats.org/officeDocument/2006/relationships" xmlns:mc="http://schemas.openxmlformats.org/markup-compatibility/2006" xmlns:mv="urn:schemas-microsoft-com:mac:vml" xmlns:p="http://schemas.openxmlformats.org/presentationml/2006/main" xmlns:c="http://schemas.openxmlformats.org/drawingml/2006/chart" xmlns:dgm="http://schemas.openxmlformats.org/drawingml/2006/diagram" xmlns:o="urn:schemas-microsoft-com:office:office" xmlns:v="urn:schemas-microsoft-com:vml" xmlns:pvml="urn:schemas-microsoft-com:office:powerpoint" xmlns:com="http://schemas.openxmlformats.org/drawingml/2006/compatibility" xmlns:p14="http://schemas.microsoft.com/office/powerpoint/2010/main" xmlns:p15="http://schemas.microsoft.com/office/powerpoint/2012/main" xmlns:ahyp="http://schemas.microsoft.com/office/drawing/2018/hyperlinkcolor" showMasterPhAnim="0" showMasterSp="0">
+  <p:cSld>
+    <p:spTree>
+      <p:nvGrpSpPr>
+        <p:cNvPr id="149" name="Shape 149"/>
+        <p:cNvGrpSpPr/>
+        <p:nvPr/>
+      </p:nvGrpSpPr>
+      <p:grpSpPr>
+        <a:xfrm>
+          <a:off x="0" y="0"/>
+          <a:ext cx="0" cy="0"/>
+          <a:chOff x="0" y="0"/>
+          <a:chExt cx="0" cy="0"/>
+        </a:xfrm>
+      </p:grpSpPr>
+      <p:sp>
+        <p:nvSpPr>
+          <p:cNvPr id="150" name="Google Shape;150;g293d31ab7c0_0_96:notes"/>
+          <p:cNvSpPr/>
+          <p:nvPr>
+            <p:ph idx="2" type="sldImg"/>
+          </p:nvPr>
+        </p:nvSpPr>
+        <p:spPr>
+          <a:xfrm>
+            <a:off x="381300" y="685800"/>
+            <a:ext cx="6096000" cy="3429000"/>
+          </a:xfrm>
+          <a:custGeom>
+            <a:rect b="b" l="l" r="r" t="t"/>
+            <a:pathLst>
+              <a:path extrusionOk="0" h="120000" w="120000">
+                <a:moveTo>
+                  <a:pt x="0" y="0"/>
+                </a:moveTo>
+                <a:lnTo>
+                  <a:pt x="120000" y="0"/>
+                </a:lnTo>
+                <a:lnTo>
+                  <a:pt x="120000" y="120000"/>
+                </a:lnTo>
+                <a:lnTo>
+                  <a:pt x="0" y="120000"/>
+                </a:lnTo>
+                <a:close/>
+              </a:path>
+            </a:pathLst>
+          </a:custGeom>
+        </p:spPr>
+      </p:sp>
+      <p:sp>
+        <p:nvSpPr>
+          <p:cNvPr id="151" name="Google Shape;151;g293d31ab7c0_0_96:notes"/>
+          <p:cNvSpPr txBox="1"/>
+          <p:nvPr>
+            <p:ph idx="1" type="body"/>
+          </p:nvPr>
+        </p:nvSpPr>
+        <p:spPr>
+          <a:xfrm>
+            <a:off x="685800" y="4343400"/>
+            <a:ext cx="5486400" cy="4114800"/>
+          </a:xfrm>
+          <a:prstGeom prst="rect">
+            <a:avLst/>
+          </a:prstGeom>
+        </p:spPr>
+        <p:txBody>
+          <a:bodyPr anchorCtr="0" anchor="t" bIns="91425" lIns="91425" spcFirstLastPara="1" rIns="91425" wrap="square" tIns="91425">
+            <a:noAutofit/>
+          </a:bodyPr>
+          <a:lstStyle/>
+          <a:p>
+            <a:pPr indent="0" lvl="0" marL="0" rtl="0" algn="l">
+              <a:spcBef>
+                <a:spcPts val="0"/>
+              </a:spcBef>
+              <a:spcAft>
+                <a:spcPts val="0"/>
+              </a:spcAft>
+              <a:buNone/>
+            </a:pPr>
+            <a:r>
+              <a:t/>
+            </a:r>
+            <a:endParaRPr/>
+          </a:p>
+        </p:txBody>
+      </p:sp>
+    </p:spTree>
+  </p:cSld>
+  <p:clrMapOvr>
+    <a:masterClrMapping/>
+  </p:clrMapOvr>
+</p:notes>
+</file>
+
+<file path=ppt/notesSlides/notesSlide11.xml><?xml version="1.0" encoding="utf-8"?>
+<p:notes xmlns:a="http://schemas.openxmlformats.org/drawingml/2006/main" xmlns:r="http://schemas.openxmlformats.org/officeDocument/2006/relationships" xmlns:mc="http://schemas.openxmlformats.org/markup-compatibility/2006" xmlns:mv="urn:schemas-microsoft-com:mac:vml" xmlns:p="http://schemas.openxmlformats.org/presentationml/2006/main" xmlns:c="http://schemas.openxmlformats.org/drawingml/2006/chart" xmlns:dgm="http://schemas.openxmlformats.org/drawingml/2006/diagram" xmlns:o="urn:schemas-microsoft-com:office:office" xmlns:v="urn:schemas-microsoft-com:vml" xmlns:pvml="urn:schemas-microsoft-com:office:powerpoint" xmlns:com="http://schemas.openxmlformats.org/drawingml/2006/compatibility" xmlns:p14="http://schemas.microsoft.com/office/powerpoint/2010/main" xmlns:p15="http://schemas.microsoft.com/office/powerpoint/2012/main" xmlns:ahyp="http://schemas.microsoft.com/office/drawing/2018/hyperlinkcolor" showMasterPhAnim="0" showMasterSp="0">
+  <p:cSld>
+    <p:spTree>
+      <p:nvGrpSpPr>
+        <p:cNvPr id="155" name="Shape 155"/>
+        <p:cNvGrpSpPr/>
+        <p:nvPr/>
+      </p:nvGrpSpPr>
+      <p:grpSpPr>
+        <a:xfrm>
+          <a:off x="0" y="0"/>
+          <a:ext cx="0" cy="0"/>
+          <a:chOff x="0" y="0"/>
+          <a:chExt cx="0" cy="0"/>
+        </a:xfrm>
+      </p:grpSpPr>
+      <p:sp>
+        <p:nvSpPr>
+          <p:cNvPr id="156" name="Google Shape;156;g293d31ab7c0_0_101:notes"/>
+          <p:cNvSpPr/>
+          <p:nvPr>
+            <p:ph idx="2" type="sldImg"/>
+          </p:nvPr>
+        </p:nvSpPr>
+        <p:spPr>
+          <a:xfrm>
+            <a:off x="381300" y="685800"/>
+            <a:ext cx="6096000" cy="3429000"/>
+          </a:xfrm>
+          <a:custGeom>
+            <a:rect b="b" l="l" r="r" t="t"/>
+            <a:pathLst>
+              <a:path extrusionOk="0" h="120000" w="120000">
+                <a:moveTo>
+                  <a:pt x="0" y="0"/>
+                </a:moveTo>
+                <a:lnTo>
+                  <a:pt x="120000" y="0"/>
+                </a:lnTo>
+                <a:lnTo>
+                  <a:pt x="120000" y="120000"/>
+                </a:lnTo>
+                <a:lnTo>
+                  <a:pt x="0" y="120000"/>
+                </a:lnTo>
+                <a:close/>
+              </a:path>
+            </a:pathLst>
+          </a:custGeom>
+        </p:spPr>
+      </p:sp>
+      <p:sp>
+        <p:nvSpPr>
+          <p:cNvPr id="157" name="Google Shape;157;g293d31ab7c0_0_101:notes"/>
+          <p:cNvSpPr txBox="1"/>
+          <p:nvPr>
+            <p:ph idx="1" type="body"/>
+          </p:nvPr>
+        </p:nvSpPr>
+        <p:spPr>
+          <a:xfrm>
+            <a:off x="685800" y="4343400"/>
+            <a:ext cx="5486400" cy="4114800"/>
+          </a:xfrm>
+          <a:prstGeom prst="rect">
+            <a:avLst/>
+          </a:prstGeom>
+        </p:spPr>
+        <p:txBody>
+          <a:bodyPr anchorCtr="0" anchor="t" bIns="91425" lIns="91425" spcFirstLastPara="1" rIns="91425" wrap="square" tIns="91425">
+            <a:noAutofit/>
+          </a:bodyPr>
+          <a:lstStyle/>
+          <a:p>
+            <a:pPr indent="0" lvl="0" marL="0" rtl="0" algn="l">
+              <a:spcBef>
+                <a:spcPts val="0"/>
+              </a:spcBef>
+              <a:spcAft>
+                <a:spcPts val="0"/>
+              </a:spcAft>
+              <a:buNone/>
+            </a:pPr>
+            <a:r>
+              <a:t/>
+            </a:r>
+            <a:endParaRPr/>
+          </a:p>
+        </p:txBody>
+      </p:sp>
+    </p:spTree>
+  </p:cSld>
+  <p:clrMapOvr>
+    <a:masterClrMapping/>
+  </p:clrMapOvr>
+</p:notes>
+</file>
+
 <file path=ppt/notesSlides/notesSlide2.xml><?xml version="1.0" encoding="utf-8"?>
 <p:notes xmlns:a="http://schemas.openxmlformats.org/drawingml/2006/main" xmlns:r="http://schemas.openxmlformats.org/officeDocument/2006/relationships" xmlns:mc="http://schemas.openxmlformats.org/markup-compatibility/2006" xmlns:mv="urn:schemas-microsoft-com:mac:vml" xmlns:p="http://schemas.openxmlformats.org/presentationml/2006/main" xmlns:c="http://schemas.openxmlformats.org/drawingml/2006/chart" xmlns:dgm="http://schemas.openxmlformats.org/drawingml/2006/diagram" xmlns:o="urn:schemas-microsoft-com:office:office" xmlns:v="urn:schemas-microsoft-com:vml" xmlns:pvml="urn:schemas-microsoft-com:office:powerpoint" xmlns:com="http://schemas.openxmlformats.org/drawingml/2006/compatibility" xmlns:p14="http://schemas.microsoft.com/office/powerpoint/2010/main" xmlns:p15="http://schemas.microsoft.com/office/powerpoint/2012/main" xmlns:ahyp="http://schemas.microsoft.com/office/drawing/2018/hyperlinkcolor" showMasterPhAnim="0" showMasterSp="0">
   <p:cSld>
@@ -1322,7 +1523,7 @@
       </p:grpSpPr>
       <p:sp>
         <p:nvSpPr>
-          <p:cNvPr id="104" name="Google Shape;104;g293d31ab7c0_0_96:notes"/>
+          <p:cNvPr id="104" name="Google Shape;104;g293fbf5d15f_0_0:notes"/>
           <p:cNvSpPr/>
           <p:nvPr>
             <p:ph idx="2" type="sldImg"/>
@@ -1357,7 +1558,7 @@
       </p:sp>
       <p:sp>
         <p:nvSpPr>
-          <p:cNvPr id="105" name="Google Shape;105;g293d31ab7c0_0_96:notes"/>
+          <p:cNvPr id="105" name="Google Shape;105;g293fbf5d15f_0_0:notes"/>
           <p:cNvSpPr txBox="1"/>
           <p:nvPr>
             <p:ph idx="1" type="body"/>
@@ -1407,7 +1608,7 @@
   <p:cSld>
     <p:spTree>
       <p:nvGrpSpPr>
-        <p:cNvPr id="109" name="Shape 109"/>
+        <p:cNvPr id="119" name="Shape 119"/>
         <p:cNvGrpSpPr/>
         <p:nvPr/>
       </p:nvGrpSpPr>
@@ -1421,7 +1622,7 @@
       </p:grpSpPr>
       <p:sp>
         <p:nvSpPr>
-          <p:cNvPr id="110" name="Google Shape;110;g293d31ab7c0_0_101:notes"/>
+          <p:cNvPr id="120" name="Google Shape;120;g293fbf5d15f_0_3:notes"/>
           <p:cNvSpPr/>
           <p:nvPr>
             <p:ph idx="2" type="sldImg"/>
@@ -1456,7 +1657,106 @@
       </p:sp>
       <p:sp>
         <p:nvSpPr>
-          <p:cNvPr id="111" name="Google Shape;111;g293d31ab7c0_0_101:notes"/>
+          <p:cNvPr id="121" name="Google Shape;121;g293fbf5d15f_0_3:notes"/>
+          <p:cNvSpPr txBox="1"/>
+          <p:nvPr>
+            <p:ph idx="1" type="body"/>
+          </p:nvPr>
+        </p:nvSpPr>
+        <p:spPr>
+          <a:xfrm>
+            <a:off x="685800" y="4343400"/>
+            <a:ext cx="5486400" cy="4114800"/>
+          </a:xfrm>
+          <a:prstGeom prst="rect">
+            <a:avLst/>
+          </a:prstGeom>
+        </p:spPr>
+        <p:txBody>
+          <a:bodyPr anchorCtr="0" anchor="t" bIns="91425" lIns="91425" spcFirstLastPara="1" rIns="91425" wrap="square" tIns="91425">
+            <a:noAutofit/>
+          </a:bodyPr>
+          <a:lstStyle/>
+          <a:p>
+            <a:pPr indent="0" lvl="0" marL="0" rtl="0" algn="l">
+              <a:spcBef>
+                <a:spcPts val="0"/>
+              </a:spcBef>
+              <a:spcAft>
+                <a:spcPts val="0"/>
+              </a:spcAft>
+              <a:buNone/>
+            </a:pPr>
+            <a:r>
+              <a:t/>
+            </a:r>
+            <a:endParaRPr/>
+          </a:p>
+        </p:txBody>
+      </p:sp>
+    </p:spTree>
+  </p:cSld>
+  <p:clrMapOvr>
+    <a:masterClrMapping/>
+  </p:clrMapOvr>
+</p:notes>
+</file>
+
+<file path=ppt/notesSlides/notesSlide9.xml><?xml version="1.0" encoding="utf-8"?>
+<p:notes xmlns:a="http://schemas.openxmlformats.org/drawingml/2006/main" xmlns:r="http://schemas.openxmlformats.org/officeDocument/2006/relationships" xmlns:mc="http://schemas.openxmlformats.org/markup-compatibility/2006" xmlns:mv="urn:schemas-microsoft-com:mac:vml" xmlns:p="http://schemas.openxmlformats.org/presentationml/2006/main" xmlns:c="http://schemas.openxmlformats.org/drawingml/2006/chart" xmlns:dgm="http://schemas.openxmlformats.org/drawingml/2006/diagram" xmlns:o="urn:schemas-microsoft-com:office:office" xmlns:v="urn:schemas-microsoft-com:vml" xmlns:pvml="urn:schemas-microsoft-com:office:powerpoint" xmlns:com="http://schemas.openxmlformats.org/drawingml/2006/compatibility" xmlns:p14="http://schemas.microsoft.com/office/powerpoint/2010/main" xmlns:p15="http://schemas.microsoft.com/office/powerpoint/2012/main" xmlns:ahyp="http://schemas.microsoft.com/office/drawing/2018/hyperlinkcolor" showMasterPhAnim="0" showMasterSp="0">
+  <p:cSld>
+    <p:spTree>
+      <p:nvGrpSpPr>
+        <p:cNvPr id="143" name="Shape 143"/>
+        <p:cNvGrpSpPr/>
+        <p:nvPr/>
+      </p:nvGrpSpPr>
+      <p:grpSpPr>
+        <a:xfrm>
+          <a:off x="0" y="0"/>
+          <a:ext cx="0" cy="0"/>
+          <a:chOff x="0" y="0"/>
+          <a:chExt cx="0" cy="0"/>
+        </a:xfrm>
+      </p:grpSpPr>
+      <p:sp>
+        <p:nvSpPr>
+          <p:cNvPr id="144" name="Google Shape;144;g293fbf5d15f_0_40:notes"/>
+          <p:cNvSpPr/>
+          <p:nvPr>
+            <p:ph idx="2" type="sldImg"/>
+          </p:nvPr>
+        </p:nvSpPr>
+        <p:spPr>
+          <a:xfrm>
+            <a:off x="381300" y="685800"/>
+            <a:ext cx="6096000" cy="3429000"/>
+          </a:xfrm>
+          <a:custGeom>
+            <a:rect b="b" l="l" r="r" t="t"/>
+            <a:pathLst>
+              <a:path extrusionOk="0" h="120000" w="120000">
+                <a:moveTo>
+                  <a:pt x="0" y="0"/>
+                </a:moveTo>
+                <a:lnTo>
+                  <a:pt x="120000" y="0"/>
+                </a:lnTo>
+                <a:lnTo>
+                  <a:pt x="120000" y="120000"/>
+                </a:lnTo>
+                <a:lnTo>
+                  <a:pt x="0" y="120000"/>
+                </a:lnTo>
+                <a:close/>
+              </a:path>
+            </a:pathLst>
+          </a:custGeom>
+        </p:spPr>
+      </p:sp>
+      <p:sp>
+        <p:nvSpPr>
+          <p:cNvPr id="145" name="Google Shape;145;g293fbf5d15f_0_40:notes"/>
           <p:cNvSpPr txBox="1"/>
           <p:nvPr>
             <p:ph idx="1" type="body"/>
@@ -7500,6 +7800,220 @@
 </p:sld>
 </file>
 
+<file path=ppt/slides/slide10.xml><?xml version="1.0" encoding="utf-8"?>
+<p:sld xmlns:a="http://schemas.openxmlformats.org/drawingml/2006/main" xmlns:r="http://schemas.openxmlformats.org/officeDocument/2006/relationships" xmlns:mc="http://schemas.openxmlformats.org/markup-compatibility/2006" xmlns:mv="urn:schemas-microsoft-com:mac:vml" xmlns:p="http://schemas.openxmlformats.org/presentationml/2006/main" xmlns:c="http://schemas.openxmlformats.org/drawingml/2006/chart" xmlns:dgm="http://schemas.openxmlformats.org/drawingml/2006/diagram" xmlns:o="urn:schemas-microsoft-com:office:office" xmlns:v="urn:schemas-microsoft-com:vml" xmlns:pvml="urn:schemas-microsoft-com:office:powerpoint" xmlns:com="http://schemas.openxmlformats.org/drawingml/2006/compatibility" xmlns:p14="http://schemas.microsoft.com/office/powerpoint/2010/main" xmlns:p15="http://schemas.microsoft.com/office/powerpoint/2012/main" xmlns:ahyp="http://schemas.microsoft.com/office/drawing/2018/hyperlinkcolor">
+  <p:cSld>
+    <p:spTree>
+      <p:nvGrpSpPr>
+        <p:cNvPr id="152" name="Shape 152"/>
+        <p:cNvGrpSpPr/>
+        <p:nvPr/>
+      </p:nvGrpSpPr>
+      <p:grpSpPr>
+        <a:xfrm>
+          <a:off x="0" y="0"/>
+          <a:ext cx="0" cy="0"/>
+          <a:chOff x="0" y="0"/>
+          <a:chExt cx="0" cy="0"/>
+        </a:xfrm>
+      </p:grpSpPr>
+      <p:sp>
+        <p:nvSpPr>
+          <p:cNvPr id="153" name="Google Shape;153;p22"/>
+          <p:cNvSpPr txBox="1"/>
+          <p:nvPr>
+            <p:ph type="title"/>
+          </p:nvPr>
+        </p:nvSpPr>
+        <p:spPr>
+          <a:xfrm>
+            <a:off x="2400250" y="575950"/>
+            <a:ext cx="6321600" cy="635400"/>
+          </a:xfrm>
+          <a:prstGeom prst="rect">
+            <a:avLst/>
+          </a:prstGeom>
+        </p:spPr>
+        <p:txBody>
+          <a:bodyPr anchorCtr="0" anchor="t" bIns="91425" lIns="91425" spcFirstLastPara="1" rIns="91425" wrap="square" tIns="91425">
+            <a:normAutofit fontScale="90000"/>
+          </a:bodyPr>
+          <a:lstStyle/>
+          <a:p>
+            <a:pPr indent="0" lvl="0" marL="0" rtl="0" algn="l">
+              <a:spcBef>
+                <a:spcPts val="0"/>
+              </a:spcBef>
+              <a:spcAft>
+                <a:spcPts val="0"/>
+              </a:spcAft>
+              <a:buNone/>
+            </a:pPr>
+            <a:r>
+              <a:rPr lang="en"/>
+              <a:t>Challenges</a:t>
+            </a:r>
+            <a:endParaRPr/>
+          </a:p>
+        </p:txBody>
+      </p:sp>
+      <p:sp>
+        <p:nvSpPr>
+          <p:cNvPr id="154" name="Google Shape;154;p22"/>
+          <p:cNvSpPr txBox="1"/>
+          <p:nvPr>
+            <p:ph idx="1" type="body"/>
+          </p:nvPr>
+        </p:nvSpPr>
+        <p:spPr>
+          <a:xfrm>
+            <a:off x="2410112" y="1595776"/>
+            <a:ext cx="6321600" cy="3002400"/>
+          </a:xfrm>
+          <a:prstGeom prst="rect">
+            <a:avLst/>
+          </a:prstGeom>
+        </p:spPr>
+        <p:txBody>
+          <a:bodyPr anchorCtr="0" anchor="t" bIns="91425" lIns="91425" spcFirstLastPara="1" rIns="91425" wrap="square" tIns="91425">
+            <a:normAutofit/>
+          </a:bodyPr>
+          <a:lstStyle/>
+          <a:p>
+            <a:pPr indent="-342900" lvl="0" marL="457200" rtl="0" algn="l">
+              <a:lnSpc>
+                <a:spcPct val="150000"/>
+              </a:lnSpc>
+              <a:spcBef>
+                <a:spcPts val="0"/>
+              </a:spcBef>
+              <a:spcAft>
+                <a:spcPts val="0"/>
+              </a:spcAft>
+              <a:buSzPts val="1800"/>
+              <a:buChar char="●"/>
+            </a:pPr>
+            <a:r>
+              <a:rPr lang="en"/>
+              <a:t>The web scraper was tricky to learn, but after some practice with it the process was ultimately simple</a:t>
+            </a:r>
+            <a:endParaRPr/>
+          </a:p>
+          <a:p>
+            <a:pPr indent="-342900" lvl="0" marL="457200" rtl="0" algn="l">
+              <a:lnSpc>
+                <a:spcPct val="150000"/>
+              </a:lnSpc>
+              <a:spcBef>
+                <a:spcPts val="0"/>
+              </a:spcBef>
+              <a:spcAft>
+                <a:spcPts val="0"/>
+              </a:spcAft>
+              <a:buSzPts val="1800"/>
+              <a:buChar char="●"/>
+            </a:pPr>
+            <a:r>
+              <a:rPr lang="en"/>
+              <a:t>The Person-scrape took very long to populate the Person table and I frequently ran into timeout errors. This forced me to find ways to shorten the time it took to populate the table</a:t>
+            </a:r>
+            <a:endParaRPr/>
+          </a:p>
+          <a:p>
+            <a:pPr indent="-317500" lvl="1" marL="914400" rtl="0" algn="l">
+              <a:lnSpc>
+                <a:spcPct val="150000"/>
+              </a:lnSpc>
+              <a:spcBef>
+                <a:spcPts val="0"/>
+              </a:spcBef>
+              <a:spcAft>
+                <a:spcPts val="0"/>
+              </a:spcAft>
+              <a:buSzPts val="1400"/>
+              <a:buChar char="○"/>
+            </a:pPr>
+            <a:r>
+              <a:rPr lang="en"/>
+              <a:t>I still had to run the scraper for a full hour but it eventually worked</a:t>
+            </a:r>
+            <a:endParaRPr/>
+          </a:p>
+        </p:txBody>
+      </p:sp>
+    </p:spTree>
+  </p:cSld>
+  <p:clrMapOvr>
+    <a:masterClrMapping/>
+  </p:clrMapOvr>
+</p:sld>
+</file>
+
+<file path=ppt/slides/slide11.xml><?xml version="1.0" encoding="utf-8"?>
+<p:sld xmlns:a="http://schemas.openxmlformats.org/drawingml/2006/main" xmlns:r="http://schemas.openxmlformats.org/officeDocument/2006/relationships" xmlns:mc="http://schemas.openxmlformats.org/markup-compatibility/2006" xmlns:mv="urn:schemas-microsoft-com:mac:vml" xmlns:p="http://schemas.openxmlformats.org/presentationml/2006/main" xmlns:c="http://schemas.openxmlformats.org/drawingml/2006/chart" xmlns:dgm="http://schemas.openxmlformats.org/drawingml/2006/diagram" xmlns:o="urn:schemas-microsoft-com:office:office" xmlns:v="urn:schemas-microsoft-com:vml" xmlns:pvml="urn:schemas-microsoft-com:office:powerpoint" xmlns:com="http://schemas.openxmlformats.org/drawingml/2006/compatibility" xmlns:p14="http://schemas.microsoft.com/office/powerpoint/2010/main" xmlns:p15="http://schemas.microsoft.com/office/powerpoint/2012/main" xmlns:ahyp="http://schemas.microsoft.com/office/drawing/2018/hyperlinkcolor">
+  <p:cSld>
+    <p:spTree>
+      <p:nvGrpSpPr>
+        <p:cNvPr id="158" name="Shape 158"/>
+        <p:cNvGrpSpPr/>
+        <p:nvPr/>
+      </p:nvGrpSpPr>
+      <p:grpSpPr>
+        <a:xfrm>
+          <a:off x="0" y="0"/>
+          <a:ext cx="0" cy="0"/>
+          <a:chOff x="0" y="0"/>
+          <a:chExt cx="0" cy="0"/>
+        </a:xfrm>
+      </p:grpSpPr>
+      <p:sp>
+        <p:nvSpPr>
+          <p:cNvPr id="159" name="Google Shape;159;p23"/>
+          <p:cNvSpPr txBox="1"/>
+          <p:nvPr>
+            <p:ph type="title"/>
+          </p:nvPr>
+        </p:nvSpPr>
+        <p:spPr>
+          <a:xfrm>
+            <a:off x="406425" y="1806825"/>
+            <a:ext cx="8296800" cy="1542000"/>
+          </a:xfrm>
+          <a:prstGeom prst="rect">
+            <a:avLst/>
+          </a:prstGeom>
+        </p:spPr>
+        <p:txBody>
+          <a:bodyPr anchorCtr="0" anchor="ctr" bIns="91425" lIns="91425" spcFirstLastPara="1" rIns="91425" wrap="square" tIns="91425">
+            <a:normAutofit/>
+          </a:bodyPr>
+          <a:lstStyle/>
+          <a:p>
+            <a:pPr indent="0" lvl="0" marL="0" rtl="0" algn="ctr">
+              <a:spcBef>
+                <a:spcPts val="0"/>
+              </a:spcBef>
+              <a:spcAft>
+                <a:spcPts val="0"/>
+              </a:spcAft>
+              <a:buNone/>
+            </a:pPr>
+            <a:r>
+              <a:rPr lang="en"/>
+              <a:t>Q&amp;A</a:t>
+            </a:r>
+            <a:endParaRPr/>
+          </a:p>
+        </p:txBody>
+      </p:sp>
+    </p:spTree>
+  </p:cSld>
+  <p:clrMapOvr>
+    <a:masterClrMapping/>
+  </p:clrMapOvr>
+</p:sld>
+</file>
+
 <file path=ppt/slides/slide2.xml><?xml version="1.0" encoding="utf-8"?>
 <p:sld xmlns:a="http://schemas.openxmlformats.org/drawingml/2006/main" xmlns:r="http://schemas.openxmlformats.org/officeDocument/2006/relationships" xmlns:mc="http://schemas.openxmlformats.org/markup-compatibility/2006" xmlns:mv="urn:schemas-microsoft-com:mac:vml" xmlns:p="http://schemas.openxmlformats.org/presentationml/2006/main" xmlns:c="http://schemas.openxmlformats.org/drawingml/2006/chart" xmlns:dgm="http://schemas.openxmlformats.org/drawingml/2006/diagram" xmlns:o="urn:schemas-microsoft-com:office:office" xmlns:v="urn:schemas-microsoft-com:vml" xmlns:pvml="urn:schemas-microsoft-com:office:powerpoint" xmlns:com="http://schemas.openxmlformats.org/drawingml/2006/compatibility" xmlns:p14="http://schemas.microsoft.com/office/powerpoint/2010/main" xmlns:p15="http://schemas.microsoft.com/office/powerpoint/2012/main" xmlns:ahyp="http://schemas.microsoft.com/office/drawing/2018/hyperlinkcolor">
   <p:cSld>
@@ -8378,30 +8892,66 @@
           <a:chExt cx="0" cy="0"/>
         </a:xfrm>
       </p:grpSpPr>
-      <p:sp>
-        <p:nvSpPr>
+      <p:pic>
+        <p:nvPicPr>
           <p:cNvPr id="107" name="Google Shape;107;p19"/>
-          <p:cNvSpPr txBox="1"/>
-          <p:nvPr>
-            <p:ph type="title"/>
-          </p:nvPr>
-        </p:nvSpPr>
-        <p:spPr>
-          <a:xfrm>
-            <a:off x="2400250" y="575950"/>
-            <a:ext cx="6321600" cy="635400"/>
+          <p:cNvPicPr preferRelativeResize="0"/>
+          <p:nvPr/>
+        </p:nvPicPr>
+        <p:blipFill>
+          <a:blip r:embed="rId3">
+            <a:alphaModFix/>
+          </a:blip>
+          <a:stretch>
+            <a:fillRect/>
+          </a:stretch>
+        </p:blipFill>
+        <p:spPr>
+          <a:xfrm>
+            <a:off x="111025" y="111025"/>
+            <a:ext cx="6257925" cy="1724025"/>
           </a:xfrm>
           <a:prstGeom prst="rect">
             <a:avLst/>
           </a:prstGeom>
+          <a:noFill/>
+          <a:ln>
+            <a:noFill/>
+          </a:ln>
+        </p:spPr>
+      </p:pic>
+      <p:sp>
+        <p:nvSpPr>
+          <p:cNvPr id="108" name="Google Shape;108;p19"/>
+          <p:cNvSpPr/>
+          <p:nvPr/>
+        </p:nvSpPr>
+        <p:spPr>
+          <a:xfrm>
+            <a:off x="441275" y="337850"/>
+            <a:ext cx="5233200" cy="192900"/>
+          </a:xfrm>
+          <a:prstGeom prst="rect">
+            <a:avLst/>
+          </a:prstGeom>
+          <a:noFill/>
+          <a:ln cap="flat" cmpd="sng" w="28575">
+            <a:solidFill>
+              <a:schemeClr val="dk1"/>
+            </a:solidFill>
+            <a:prstDash val="solid"/>
+            <a:round/>
+            <a:headEnd len="sm" w="sm" type="none"/>
+            <a:tailEnd len="sm" w="sm" type="none"/>
+          </a:ln>
         </p:spPr>
         <p:txBody>
-          <a:bodyPr anchorCtr="0" anchor="t" bIns="91425" lIns="91425" spcFirstLastPara="1" rIns="91425" wrap="square" tIns="91425">
-            <a:normAutofit fontScale="90000"/>
+          <a:bodyPr anchorCtr="0" anchor="ctr" bIns="91425" lIns="91425" spcFirstLastPara="1" rIns="91425" wrap="square" tIns="91425">
+            <a:noAutofit/>
           </a:bodyPr>
           <a:lstStyle/>
           <a:p>
-            <a:pPr indent="0" lvl="0" marL="0" rtl="0" algn="l">
+            <a:pPr indent="0" lvl="0" marL="0" rtl="0" algn="ctr">
               <a:spcBef>
                 <a:spcPts val="0"/>
               </a:spcBef>
@@ -8411,94 +8961,510 @@
               <a:buNone/>
             </a:pPr>
             <a:r>
-              <a:rPr lang="en"/>
-              <a:t>Challenges</a:t>
+              <a:t/>
             </a:r>
-            <a:endParaRPr/>
+            <a:endParaRPr>
+              <a:latin typeface="Lato"/>
+              <a:ea typeface="Lato"/>
+              <a:cs typeface="Lato"/>
+              <a:sym typeface="Lato"/>
+            </a:endParaRPr>
+          </a:p>
+        </p:txBody>
+      </p:sp>
+      <p:pic>
+        <p:nvPicPr>
+          <p:cNvPr id="109" name="Google Shape;109;p19"/>
+          <p:cNvPicPr preferRelativeResize="0"/>
+          <p:nvPr/>
+        </p:nvPicPr>
+        <p:blipFill>
+          <a:blip r:embed="rId4">
+            <a:alphaModFix/>
+          </a:blip>
+          <a:stretch>
+            <a:fillRect/>
+          </a:stretch>
+        </p:blipFill>
+        <p:spPr>
+          <a:xfrm>
+            <a:off x="3227475" y="2042600"/>
+            <a:ext cx="5687510" cy="3003651"/>
+          </a:xfrm>
+          <a:prstGeom prst="rect">
+            <a:avLst/>
+          </a:prstGeom>
+          <a:noFill/>
+          <a:ln>
+            <a:noFill/>
+          </a:ln>
+        </p:spPr>
+      </p:pic>
+      <p:sp>
+        <p:nvSpPr>
+          <p:cNvPr id="110" name="Google Shape;110;p19"/>
+          <p:cNvSpPr/>
+          <p:nvPr/>
+        </p:nvSpPr>
+        <p:spPr>
+          <a:xfrm>
+            <a:off x="3227475" y="2042600"/>
+            <a:ext cx="5687400" cy="3003600"/>
+          </a:xfrm>
+          <a:prstGeom prst="rect">
+            <a:avLst/>
+          </a:prstGeom>
+          <a:noFill/>
+          <a:ln cap="flat" cmpd="sng" w="28575">
+            <a:solidFill>
+              <a:schemeClr val="dk1"/>
+            </a:solidFill>
+            <a:prstDash val="solid"/>
+            <a:round/>
+            <a:headEnd len="sm" w="sm" type="none"/>
+            <a:tailEnd len="sm" w="sm" type="none"/>
+          </a:ln>
+        </p:spPr>
+        <p:txBody>
+          <a:bodyPr anchorCtr="0" anchor="ctr" bIns="91425" lIns="91425" spcFirstLastPara="1" rIns="91425" wrap="square" tIns="91425">
+            <a:noAutofit/>
+          </a:bodyPr>
+          <a:lstStyle/>
+          <a:p>
+            <a:pPr indent="0" lvl="0" marL="0" rtl="0" algn="ctr">
+              <a:spcBef>
+                <a:spcPts val="0"/>
+              </a:spcBef>
+              <a:spcAft>
+                <a:spcPts val="0"/>
+              </a:spcAft>
+              <a:buNone/>
+            </a:pPr>
+            <a:r>
+              <a:t/>
+            </a:r>
+            <a:endParaRPr>
+              <a:latin typeface="Lato"/>
+              <a:ea typeface="Lato"/>
+              <a:cs typeface="Lato"/>
+              <a:sym typeface="Lato"/>
+            </a:endParaRPr>
           </a:p>
         </p:txBody>
       </p:sp>
       <p:sp>
         <p:nvSpPr>
-          <p:cNvPr id="108" name="Google Shape;108;p19"/>
-          <p:cNvSpPr txBox="1"/>
-          <p:nvPr>
-            <p:ph idx="1" type="body"/>
-          </p:nvPr>
+          <p:cNvPr id="111" name="Google Shape;111;p19"/>
+          <p:cNvSpPr/>
+          <p:nvPr/>
         </p:nvSpPr>
         <p:spPr>
           <a:xfrm>
-            <a:off x="2410112" y="1595776"/>
-            <a:ext cx="6321600" cy="3002400"/>
+            <a:off x="457925" y="1163225"/>
+            <a:ext cx="5564100" cy="192900"/>
           </a:xfrm>
           <a:prstGeom prst="rect">
             <a:avLst/>
           </a:prstGeom>
+          <a:noFill/>
+          <a:ln cap="flat" cmpd="sng" w="28575">
+            <a:solidFill>
+              <a:schemeClr val="accent1"/>
+            </a:solidFill>
+            <a:prstDash val="solid"/>
+            <a:round/>
+            <a:headEnd len="sm" w="sm" type="none"/>
+            <a:tailEnd len="sm" w="sm" type="none"/>
+          </a:ln>
         </p:spPr>
         <p:txBody>
-          <a:bodyPr anchorCtr="0" anchor="t" bIns="91425" lIns="91425" spcFirstLastPara="1" rIns="91425" wrap="square" tIns="91425">
-            <a:normAutofit/>
+          <a:bodyPr anchorCtr="0" anchor="ctr" bIns="91425" lIns="91425" spcFirstLastPara="1" rIns="91425" wrap="square" tIns="91425">
+            <a:noAutofit/>
           </a:bodyPr>
           <a:lstStyle/>
           <a:p>
-            <a:pPr indent="-342900" lvl="0" marL="457200" rtl="0" algn="l">
-              <a:lnSpc>
-                <a:spcPct val="150000"/>
-              </a:lnSpc>
-              <a:spcBef>
-                <a:spcPts val="0"/>
-              </a:spcBef>
-              <a:spcAft>
-                <a:spcPts val="0"/>
-              </a:spcAft>
-              <a:buSzPts val="1800"/>
-              <a:buChar char="●"/>
+            <a:pPr indent="0" lvl="0" marL="0" rtl="0" algn="ctr">
+              <a:spcBef>
+                <a:spcPts val="0"/>
+              </a:spcBef>
+              <a:spcAft>
+                <a:spcPts val="0"/>
+              </a:spcAft>
+              <a:buNone/>
             </a:pPr>
             <a:r>
-              <a:rPr lang="en"/>
-              <a:t>The web scraper was tricky to learn, but after some practice with it the process was ultimately simple</a:t>
+              <a:t/>
             </a:r>
-            <a:endParaRPr/>
+            <a:endParaRPr>
+              <a:latin typeface="Lato"/>
+              <a:ea typeface="Lato"/>
+              <a:cs typeface="Lato"/>
+              <a:sym typeface="Lato"/>
+            </a:endParaRPr>
           </a:p>
+        </p:txBody>
+      </p:sp>
+      <p:sp>
+        <p:nvSpPr>
+          <p:cNvPr id="112" name="Google Shape;112;p19"/>
+          <p:cNvSpPr/>
+          <p:nvPr/>
+        </p:nvSpPr>
+        <p:spPr>
+          <a:xfrm>
+            <a:off x="4243850" y="3170325"/>
+            <a:ext cx="2416500" cy="1842300"/>
+          </a:xfrm>
+          <a:prstGeom prst="rect">
+            <a:avLst/>
+          </a:prstGeom>
+          <a:noFill/>
+          <a:ln cap="flat" cmpd="sng" w="28575">
+            <a:solidFill>
+              <a:schemeClr val="accent1"/>
+            </a:solidFill>
+            <a:prstDash val="solid"/>
+            <a:round/>
+            <a:headEnd len="sm" w="sm" type="none"/>
+            <a:tailEnd len="sm" w="sm" type="none"/>
+          </a:ln>
+        </p:spPr>
+        <p:txBody>
+          <a:bodyPr anchorCtr="0" anchor="ctr" bIns="91425" lIns="91425" spcFirstLastPara="1" rIns="91425" wrap="square" tIns="91425">
+            <a:noAutofit/>
+          </a:bodyPr>
+          <a:lstStyle/>
           <a:p>
-            <a:pPr indent="-342900" lvl="0" marL="457200" rtl="0" algn="l">
-              <a:lnSpc>
-                <a:spcPct val="150000"/>
-              </a:lnSpc>
-              <a:spcBef>
-                <a:spcPts val="0"/>
-              </a:spcBef>
-              <a:spcAft>
-                <a:spcPts val="0"/>
-              </a:spcAft>
-              <a:buSzPts val="1800"/>
-              <a:buChar char="●"/>
+            <a:pPr indent="0" lvl="0" marL="0" rtl="0" algn="ctr">
+              <a:spcBef>
+                <a:spcPts val="0"/>
+              </a:spcBef>
+              <a:spcAft>
+                <a:spcPts val="0"/>
+              </a:spcAft>
+              <a:buNone/>
             </a:pPr>
             <a:r>
-              <a:rPr lang="en"/>
-              <a:t>The Person-scrape took very long to populate the Person table and I frequently ran into timeout errors. This forced me to find ways to shorten the time it took to populate the table</a:t>
+              <a:t/>
             </a:r>
-            <a:endParaRPr/>
+            <a:endParaRPr>
+              <a:latin typeface="Lato"/>
+              <a:ea typeface="Lato"/>
+              <a:cs typeface="Lato"/>
+              <a:sym typeface="Lato"/>
+            </a:endParaRPr>
           </a:p>
+        </p:txBody>
+      </p:sp>
+      <p:sp>
+        <p:nvSpPr>
+          <p:cNvPr id="113" name="Google Shape;113;p19"/>
+          <p:cNvSpPr/>
+          <p:nvPr/>
+        </p:nvSpPr>
+        <p:spPr>
+          <a:xfrm>
+            <a:off x="457950" y="1587625"/>
+            <a:ext cx="3375600" cy="192900"/>
+          </a:xfrm>
+          <a:prstGeom prst="rect">
+            <a:avLst/>
+          </a:prstGeom>
+          <a:noFill/>
+          <a:ln cap="flat" cmpd="sng" w="28575">
+            <a:solidFill>
+              <a:schemeClr val="accent4"/>
+            </a:solidFill>
+            <a:prstDash val="solid"/>
+            <a:round/>
+            <a:headEnd len="sm" w="sm" type="none"/>
+            <a:tailEnd len="sm" w="sm" type="none"/>
+          </a:ln>
+        </p:spPr>
+        <p:txBody>
+          <a:bodyPr anchorCtr="0" anchor="ctr" bIns="91425" lIns="91425" spcFirstLastPara="1" rIns="91425" wrap="square" tIns="91425">
+            <a:noAutofit/>
+          </a:bodyPr>
+          <a:lstStyle/>
           <a:p>
-            <a:pPr indent="-317500" lvl="1" marL="914400" rtl="0" algn="l">
-              <a:lnSpc>
-                <a:spcPct val="150000"/>
-              </a:lnSpc>
-              <a:spcBef>
-                <a:spcPts val="0"/>
-              </a:spcBef>
-              <a:spcAft>
-                <a:spcPts val="0"/>
-              </a:spcAft>
-              <a:buSzPts val="1400"/>
-              <a:buChar char="○"/>
+            <a:pPr indent="0" lvl="0" marL="0" rtl="0" algn="ctr">
+              <a:spcBef>
+                <a:spcPts val="0"/>
+              </a:spcBef>
+              <a:spcAft>
+                <a:spcPts val="0"/>
+              </a:spcAft>
+              <a:buNone/>
             </a:pPr>
             <a:r>
-              <a:rPr lang="en"/>
-              <a:t>I still had to run the scraper for a full hour but it eventually worked</a:t>
+              <a:t/>
             </a:r>
-            <a:endParaRPr/>
+            <a:endParaRPr>
+              <a:latin typeface="Lato"/>
+              <a:ea typeface="Lato"/>
+              <a:cs typeface="Lato"/>
+              <a:sym typeface="Lato"/>
+            </a:endParaRPr>
+          </a:p>
+        </p:txBody>
+      </p:sp>
+      <p:sp>
+        <p:nvSpPr>
+          <p:cNvPr id="114" name="Google Shape;114;p19"/>
+          <p:cNvSpPr/>
+          <p:nvPr/>
+        </p:nvSpPr>
+        <p:spPr>
+          <a:xfrm>
+            <a:off x="4281650" y="3201725"/>
+            <a:ext cx="2337300" cy="342300"/>
+          </a:xfrm>
+          <a:prstGeom prst="rect">
+            <a:avLst/>
+          </a:prstGeom>
+          <a:noFill/>
+          <a:ln cap="flat" cmpd="sng" w="28575">
+            <a:solidFill>
+              <a:schemeClr val="accent4"/>
+            </a:solidFill>
+            <a:prstDash val="solid"/>
+            <a:round/>
+            <a:headEnd len="sm" w="sm" type="none"/>
+            <a:tailEnd len="sm" w="sm" type="none"/>
+          </a:ln>
+        </p:spPr>
+        <p:txBody>
+          <a:bodyPr anchorCtr="0" anchor="ctr" bIns="91425" lIns="91425" spcFirstLastPara="1" rIns="91425" wrap="square" tIns="91425">
+            <a:noAutofit/>
+          </a:bodyPr>
+          <a:lstStyle/>
+          <a:p>
+            <a:pPr indent="0" lvl="0" marL="0" rtl="0" algn="ctr">
+              <a:spcBef>
+                <a:spcPts val="0"/>
+              </a:spcBef>
+              <a:spcAft>
+                <a:spcPts val="0"/>
+              </a:spcAft>
+              <a:buNone/>
+            </a:pPr>
+            <a:r>
+              <a:t/>
+            </a:r>
+            <a:endParaRPr>
+              <a:latin typeface="Lato"/>
+              <a:ea typeface="Lato"/>
+              <a:cs typeface="Lato"/>
+              <a:sym typeface="Lato"/>
+            </a:endParaRPr>
+          </a:p>
+        </p:txBody>
+      </p:sp>
+      <p:sp>
+        <p:nvSpPr>
+          <p:cNvPr id="115" name="Google Shape;115;p19"/>
+          <p:cNvSpPr/>
+          <p:nvPr/>
+        </p:nvSpPr>
+        <p:spPr>
+          <a:xfrm>
+            <a:off x="4281650" y="3544025"/>
+            <a:ext cx="2337300" cy="342300"/>
+          </a:xfrm>
+          <a:prstGeom prst="rect">
+            <a:avLst/>
+          </a:prstGeom>
+          <a:noFill/>
+          <a:ln cap="flat" cmpd="sng" w="28575">
+            <a:solidFill>
+              <a:schemeClr val="accent4"/>
+            </a:solidFill>
+            <a:prstDash val="solid"/>
+            <a:round/>
+            <a:headEnd len="sm" w="sm" type="none"/>
+            <a:tailEnd len="sm" w="sm" type="none"/>
+          </a:ln>
+        </p:spPr>
+        <p:txBody>
+          <a:bodyPr anchorCtr="0" anchor="ctr" bIns="91425" lIns="91425" spcFirstLastPara="1" rIns="91425" wrap="square" tIns="91425">
+            <a:noAutofit/>
+          </a:bodyPr>
+          <a:lstStyle/>
+          <a:p>
+            <a:pPr indent="0" lvl="0" marL="0" rtl="0" algn="ctr">
+              <a:spcBef>
+                <a:spcPts val="0"/>
+              </a:spcBef>
+              <a:spcAft>
+                <a:spcPts val="0"/>
+              </a:spcAft>
+              <a:buNone/>
+            </a:pPr>
+            <a:r>
+              <a:t/>
+            </a:r>
+            <a:endParaRPr>
+              <a:latin typeface="Lato"/>
+              <a:ea typeface="Lato"/>
+              <a:cs typeface="Lato"/>
+              <a:sym typeface="Lato"/>
+            </a:endParaRPr>
+          </a:p>
+        </p:txBody>
+      </p:sp>
+      <p:sp>
+        <p:nvSpPr>
+          <p:cNvPr id="116" name="Google Shape;116;p19"/>
+          <p:cNvSpPr/>
+          <p:nvPr/>
+        </p:nvSpPr>
+        <p:spPr>
+          <a:xfrm>
+            <a:off x="4281650" y="3886325"/>
+            <a:ext cx="2337300" cy="342300"/>
+          </a:xfrm>
+          <a:prstGeom prst="rect">
+            <a:avLst/>
+          </a:prstGeom>
+          <a:noFill/>
+          <a:ln cap="flat" cmpd="sng" w="28575">
+            <a:solidFill>
+              <a:schemeClr val="accent4"/>
+            </a:solidFill>
+            <a:prstDash val="solid"/>
+            <a:round/>
+            <a:headEnd len="sm" w="sm" type="none"/>
+            <a:tailEnd len="sm" w="sm" type="none"/>
+          </a:ln>
+        </p:spPr>
+        <p:txBody>
+          <a:bodyPr anchorCtr="0" anchor="ctr" bIns="91425" lIns="91425" spcFirstLastPara="1" rIns="91425" wrap="square" tIns="91425">
+            <a:noAutofit/>
+          </a:bodyPr>
+          <a:lstStyle/>
+          <a:p>
+            <a:pPr indent="0" lvl="0" marL="0" rtl="0" algn="ctr">
+              <a:spcBef>
+                <a:spcPts val="0"/>
+              </a:spcBef>
+              <a:spcAft>
+                <a:spcPts val="0"/>
+              </a:spcAft>
+              <a:buNone/>
+            </a:pPr>
+            <a:r>
+              <a:t/>
+            </a:r>
+            <a:endParaRPr>
+              <a:latin typeface="Lato"/>
+              <a:ea typeface="Lato"/>
+              <a:cs typeface="Lato"/>
+              <a:sym typeface="Lato"/>
+            </a:endParaRPr>
+          </a:p>
+        </p:txBody>
+      </p:sp>
+      <p:sp>
+        <p:nvSpPr>
+          <p:cNvPr id="117" name="Google Shape;117;p19"/>
+          <p:cNvSpPr/>
+          <p:nvPr/>
+        </p:nvSpPr>
+        <p:spPr>
+          <a:xfrm>
+            <a:off x="4283450" y="4228625"/>
+            <a:ext cx="2337300" cy="342300"/>
+          </a:xfrm>
+          <a:prstGeom prst="rect">
+            <a:avLst/>
+          </a:prstGeom>
+          <a:noFill/>
+          <a:ln cap="flat" cmpd="sng" w="28575">
+            <a:solidFill>
+              <a:schemeClr val="accent4"/>
+            </a:solidFill>
+            <a:prstDash val="solid"/>
+            <a:round/>
+            <a:headEnd len="sm" w="sm" type="none"/>
+            <a:tailEnd len="sm" w="sm" type="none"/>
+          </a:ln>
+        </p:spPr>
+        <p:txBody>
+          <a:bodyPr anchorCtr="0" anchor="ctr" bIns="91425" lIns="91425" spcFirstLastPara="1" rIns="91425" wrap="square" tIns="91425">
+            <a:noAutofit/>
+          </a:bodyPr>
+          <a:lstStyle/>
+          <a:p>
+            <a:pPr indent="0" lvl="0" marL="0" rtl="0" algn="ctr">
+              <a:spcBef>
+                <a:spcPts val="0"/>
+              </a:spcBef>
+              <a:spcAft>
+                <a:spcPts val="0"/>
+              </a:spcAft>
+              <a:buNone/>
+            </a:pPr>
+            <a:r>
+              <a:t/>
+            </a:r>
+            <a:endParaRPr>
+              <a:latin typeface="Lato"/>
+              <a:ea typeface="Lato"/>
+              <a:cs typeface="Lato"/>
+              <a:sym typeface="Lato"/>
+            </a:endParaRPr>
+          </a:p>
+        </p:txBody>
+      </p:sp>
+      <p:sp>
+        <p:nvSpPr>
+          <p:cNvPr id="118" name="Google Shape;118;p19"/>
+          <p:cNvSpPr/>
+          <p:nvPr/>
+        </p:nvSpPr>
+        <p:spPr>
+          <a:xfrm>
+            <a:off x="4283450" y="4570925"/>
+            <a:ext cx="2337300" cy="342300"/>
+          </a:xfrm>
+          <a:prstGeom prst="rect">
+            <a:avLst/>
+          </a:prstGeom>
+          <a:noFill/>
+          <a:ln cap="flat" cmpd="sng" w="28575">
+            <a:solidFill>
+              <a:schemeClr val="accent4"/>
+            </a:solidFill>
+            <a:prstDash val="solid"/>
+            <a:round/>
+            <a:headEnd len="sm" w="sm" type="none"/>
+            <a:tailEnd len="sm" w="sm" type="none"/>
+          </a:ln>
+        </p:spPr>
+        <p:txBody>
+          <a:bodyPr anchorCtr="0" anchor="ctr" bIns="91425" lIns="91425" spcFirstLastPara="1" rIns="91425" wrap="square" tIns="91425">
+            <a:noAutofit/>
+          </a:bodyPr>
+          <a:lstStyle/>
+          <a:p>
+            <a:pPr indent="0" lvl="0" marL="0" rtl="0" algn="ctr">
+              <a:spcBef>
+                <a:spcPts val="0"/>
+              </a:spcBef>
+              <a:spcAft>
+                <a:spcPts val="0"/>
+              </a:spcAft>
+              <a:buNone/>
+            </a:pPr>
+            <a:r>
+              <a:t/>
+            </a:r>
+            <a:endParaRPr>
+              <a:latin typeface="Lato"/>
+              <a:ea typeface="Lato"/>
+              <a:cs typeface="Lato"/>
+              <a:sym typeface="Lato"/>
+            </a:endParaRPr>
           </a:p>
         </p:txBody>
       </p:sp>
@@ -8515,7 +9481,7 @@
   <p:cSld>
     <p:spTree>
       <p:nvGrpSpPr>
-        <p:cNvPr id="112" name="Shape 112"/>
+        <p:cNvPr id="122" name="Shape 122"/>
         <p:cNvGrpSpPr/>
         <p:nvPr/>
       </p:nvGrpSpPr>
@@ -8527,26 +9493,90 @@
           <a:chExt cx="0" cy="0"/>
         </a:xfrm>
       </p:grpSpPr>
-      <p:sp>
-        <p:nvSpPr>
-          <p:cNvPr id="113" name="Google Shape;113;p20"/>
-          <p:cNvSpPr txBox="1"/>
-          <p:nvPr>
-            <p:ph type="title"/>
-          </p:nvPr>
-        </p:nvSpPr>
-        <p:spPr>
-          <a:xfrm>
-            <a:off x="406425" y="1806825"/>
-            <a:ext cx="8296800" cy="1542000"/>
+      <p:pic>
+        <p:nvPicPr>
+          <p:cNvPr id="123" name="Google Shape;123;p20"/>
+          <p:cNvPicPr preferRelativeResize="0"/>
+          <p:nvPr/>
+        </p:nvPicPr>
+        <p:blipFill>
+          <a:blip r:embed="rId3">
+            <a:alphaModFix/>
+          </a:blip>
+          <a:stretch>
+            <a:fillRect/>
+          </a:stretch>
+        </p:blipFill>
+        <p:spPr>
+          <a:xfrm>
+            <a:off x="152400" y="111025"/>
+            <a:ext cx="8839199" cy="2327145"/>
           </a:xfrm>
           <a:prstGeom prst="rect">
             <a:avLst/>
           </a:prstGeom>
+          <a:noFill/>
+          <a:ln>
+            <a:noFill/>
+          </a:ln>
+        </p:spPr>
+      </p:pic>
+      <p:pic>
+        <p:nvPicPr>
+          <p:cNvPr id="124" name="Google Shape;124;p20"/>
+          <p:cNvPicPr preferRelativeResize="0"/>
+          <p:nvPr/>
+        </p:nvPicPr>
+        <p:blipFill>
+          <a:blip r:embed="rId4">
+            <a:alphaModFix/>
+          </a:blip>
+          <a:stretch>
+            <a:fillRect/>
+          </a:stretch>
+        </p:blipFill>
+        <p:spPr>
+          <a:xfrm>
+            <a:off x="821413" y="2631945"/>
+            <a:ext cx="7501165" cy="2400530"/>
+          </a:xfrm>
+          <a:prstGeom prst="rect">
+            <a:avLst/>
+          </a:prstGeom>
+          <a:noFill/>
+          <a:ln>
+            <a:noFill/>
+          </a:ln>
+        </p:spPr>
+      </p:pic>
+      <p:sp>
+        <p:nvSpPr>
+          <p:cNvPr id="125" name="Google Shape;125;p20"/>
+          <p:cNvSpPr/>
+          <p:nvPr/>
+        </p:nvSpPr>
+        <p:spPr>
+          <a:xfrm>
+            <a:off x="324050" y="234425"/>
+            <a:ext cx="3688800" cy="220500"/>
+          </a:xfrm>
+          <a:prstGeom prst="rect">
+            <a:avLst/>
+          </a:prstGeom>
+          <a:noFill/>
+          <a:ln cap="flat" cmpd="sng" w="9525">
+            <a:solidFill>
+              <a:schemeClr val="dk1"/>
+            </a:solidFill>
+            <a:prstDash val="solid"/>
+            <a:round/>
+            <a:headEnd len="sm" w="sm" type="none"/>
+            <a:tailEnd len="sm" w="sm" type="none"/>
+          </a:ln>
         </p:spPr>
         <p:txBody>
           <a:bodyPr anchorCtr="0" anchor="ctr" bIns="91425" lIns="91425" spcFirstLastPara="1" rIns="91425" wrap="square" tIns="91425">
-            <a:normAutofit/>
+            <a:noAutofit/>
           </a:bodyPr>
           <a:lstStyle/>
           <a:p>
@@ -8560,13 +9590,982 @@
               <a:buNone/>
             </a:pPr>
             <a:r>
-              <a:rPr lang="en"/>
-              <a:t>Q&amp;A</a:t>
+              <a:t/>
             </a:r>
-            <a:endParaRPr/>
+            <a:endParaRPr>
+              <a:latin typeface="Lato"/>
+              <a:ea typeface="Lato"/>
+              <a:cs typeface="Lato"/>
+              <a:sym typeface="Lato"/>
+            </a:endParaRPr>
           </a:p>
         </p:txBody>
       </p:sp>
+      <p:sp>
+        <p:nvSpPr>
+          <p:cNvPr id="126" name="Google Shape;126;p20"/>
+          <p:cNvSpPr/>
+          <p:nvPr/>
+        </p:nvSpPr>
+        <p:spPr>
+          <a:xfrm>
+            <a:off x="821425" y="2631950"/>
+            <a:ext cx="7501200" cy="2400600"/>
+          </a:xfrm>
+          <a:prstGeom prst="rect">
+            <a:avLst/>
+          </a:prstGeom>
+          <a:noFill/>
+          <a:ln cap="flat" cmpd="sng" w="28575">
+            <a:solidFill>
+              <a:schemeClr val="dk1"/>
+            </a:solidFill>
+            <a:prstDash val="solid"/>
+            <a:round/>
+            <a:headEnd len="sm" w="sm" type="none"/>
+            <a:tailEnd len="sm" w="sm" type="none"/>
+          </a:ln>
+        </p:spPr>
+        <p:txBody>
+          <a:bodyPr anchorCtr="0" anchor="ctr" bIns="91425" lIns="91425" spcFirstLastPara="1" rIns="91425" wrap="square" tIns="91425">
+            <a:noAutofit/>
+          </a:bodyPr>
+          <a:lstStyle/>
+          <a:p>
+            <a:pPr indent="0" lvl="0" marL="0" rtl="0" algn="ctr">
+              <a:spcBef>
+                <a:spcPts val="0"/>
+              </a:spcBef>
+              <a:spcAft>
+                <a:spcPts val="0"/>
+              </a:spcAft>
+              <a:buNone/>
+            </a:pPr>
+            <a:r>
+              <a:t/>
+            </a:r>
+            <a:endParaRPr>
+              <a:latin typeface="Lato"/>
+              <a:ea typeface="Lato"/>
+              <a:cs typeface="Lato"/>
+              <a:sym typeface="Lato"/>
+            </a:endParaRPr>
+          </a:p>
+        </p:txBody>
+      </p:sp>
+      <p:sp>
+        <p:nvSpPr>
+          <p:cNvPr id="127" name="Google Shape;127;p20"/>
+          <p:cNvSpPr/>
+          <p:nvPr/>
+        </p:nvSpPr>
+        <p:spPr>
+          <a:xfrm>
+            <a:off x="324050" y="454925"/>
+            <a:ext cx="2516700" cy="103500"/>
+          </a:xfrm>
+          <a:prstGeom prst="rect">
+            <a:avLst/>
+          </a:prstGeom>
+          <a:noFill/>
+          <a:ln cap="flat" cmpd="sng" w="9525">
+            <a:solidFill>
+              <a:schemeClr val="accent1"/>
+            </a:solidFill>
+            <a:prstDash val="solid"/>
+            <a:round/>
+            <a:headEnd len="sm" w="sm" type="none"/>
+            <a:tailEnd len="sm" w="sm" type="none"/>
+          </a:ln>
+        </p:spPr>
+        <p:txBody>
+          <a:bodyPr anchorCtr="0" anchor="ctr" bIns="91425" lIns="91425" spcFirstLastPara="1" rIns="91425" wrap="square" tIns="91425">
+            <a:noAutofit/>
+          </a:bodyPr>
+          <a:lstStyle/>
+          <a:p>
+            <a:pPr indent="0" lvl="0" marL="0" rtl="0" algn="ctr">
+              <a:spcBef>
+                <a:spcPts val="0"/>
+              </a:spcBef>
+              <a:spcAft>
+                <a:spcPts val="0"/>
+              </a:spcAft>
+              <a:buNone/>
+            </a:pPr>
+            <a:r>
+              <a:t/>
+            </a:r>
+            <a:endParaRPr>
+              <a:latin typeface="Lato"/>
+              <a:ea typeface="Lato"/>
+              <a:cs typeface="Lato"/>
+              <a:sym typeface="Lato"/>
+            </a:endParaRPr>
+          </a:p>
+        </p:txBody>
+      </p:sp>
+      <p:sp>
+        <p:nvSpPr>
+          <p:cNvPr id="128" name="Google Shape;128;p20"/>
+          <p:cNvSpPr/>
+          <p:nvPr/>
+        </p:nvSpPr>
+        <p:spPr>
+          <a:xfrm>
+            <a:off x="2061525" y="3006125"/>
+            <a:ext cx="1806300" cy="344700"/>
+          </a:xfrm>
+          <a:prstGeom prst="rect">
+            <a:avLst/>
+          </a:prstGeom>
+          <a:noFill/>
+          <a:ln cap="flat" cmpd="sng" w="19050">
+            <a:solidFill>
+              <a:schemeClr val="accent1"/>
+            </a:solidFill>
+            <a:prstDash val="solid"/>
+            <a:round/>
+            <a:headEnd len="sm" w="sm" type="none"/>
+            <a:tailEnd len="sm" w="sm" type="none"/>
+          </a:ln>
+        </p:spPr>
+        <p:txBody>
+          <a:bodyPr anchorCtr="0" anchor="ctr" bIns="91425" lIns="91425" spcFirstLastPara="1" rIns="91425" wrap="square" tIns="91425">
+            <a:noAutofit/>
+          </a:bodyPr>
+          <a:lstStyle/>
+          <a:p>
+            <a:pPr indent="0" lvl="0" marL="0" rtl="0" algn="ctr">
+              <a:spcBef>
+                <a:spcPts val="0"/>
+              </a:spcBef>
+              <a:spcAft>
+                <a:spcPts val="0"/>
+              </a:spcAft>
+              <a:buNone/>
+            </a:pPr>
+            <a:r>
+              <a:t/>
+            </a:r>
+            <a:endParaRPr>
+              <a:latin typeface="Lato"/>
+              <a:ea typeface="Lato"/>
+              <a:cs typeface="Lato"/>
+              <a:sym typeface="Lato"/>
+            </a:endParaRPr>
+          </a:p>
+        </p:txBody>
+      </p:sp>
+      <p:sp>
+        <p:nvSpPr>
+          <p:cNvPr id="129" name="Google Shape;129;p20"/>
+          <p:cNvSpPr/>
+          <p:nvPr/>
+        </p:nvSpPr>
+        <p:spPr>
+          <a:xfrm>
+            <a:off x="324050" y="676275"/>
+            <a:ext cx="3344100" cy="103500"/>
+          </a:xfrm>
+          <a:prstGeom prst="rect">
+            <a:avLst/>
+          </a:prstGeom>
+          <a:noFill/>
+          <a:ln cap="flat" cmpd="sng" w="9525">
+            <a:solidFill>
+              <a:schemeClr val="accent4"/>
+            </a:solidFill>
+            <a:prstDash val="solid"/>
+            <a:round/>
+            <a:headEnd len="sm" w="sm" type="none"/>
+            <a:tailEnd len="sm" w="sm" type="none"/>
+          </a:ln>
+        </p:spPr>
+        <p:txBody>
+          <a:bodyPr anchorCtr="0" anchor="ctr" bIns="91425" lIns="91425" spcFirstLastPara="1" rIns="91425" wrap="square" tIns="91425">
+            <a:noAutofit/>
+          </a:bodyPr>
+          <a:lstStyle/>
+          <a:p>
+            <a:pPr indent="0" lvl="0" marL="0" rtl="0" algn="ctr">
+              <a:spcBef>
+                <a:spcPts val="0"/>
+              </a:spcBef>
+              <a:spcAft>
+                <a:spcPts val="0"/>
+              </a:spcAft>
+              <a:buNone/>
+            </a:pPr>
+            <a:r>
+              <a:t/>
+            </a:r>
+            <a:endParaRPr>
+              <a:latin typeface="Lato"/>
+              <a:ea typeface="Lato"/>
+              <a:cs typeface="Lato"/>
+              <a:sym typeface="Lato"/>
+            </a:endParaRPr>
+          </a:p>
+        </p:txBody>
+      </p:sp>
+      <p:sp>
+        <p:nvSpPr>
+          <p:cNvPr id="130" name="Google Shape;130;p20"/>
+          <p:cNvSpPr/>
+          <p:nvPr/>
+        </p:nvSpPr>
+        <p:spPr>
+          <a:xfrm>
+            <a:off x="2131200" y="3062575"/>
+            <a:ext cx="1653900" cy="177900"/>
+          </a:xfrm>
+          <a:prstGeom prst="rect">
+            <a:avLst/>
+          </a:prstGeom>
+          <a:noFill/>
+          <a:ln cap="flat" cmpd="sng" w="19050">
+            <a:solidFill>
+              <a:schemeClr val="accent4"/>
+            </a:solidFill>
+            <a:prstDash val="solid"/>
+            <a:round/>
+            <a:headEnd len="sm" w="sm" type="none"/>
+            <a:tailEnd len="sm" w="sm" type="none"/>
+          </a:ln>
+        </p:spPr>
+        <p:txBody>
+          <a:bodyPr anchorCtr="0" anchor="ctr" bIns="91425" lIns="91425" spcFirstLastPara="1" rIns="91425" wrap="square" tIns="91425">
+            <a:noAutofit/>
+          </a:bodyPr>
+          <a:lstStyle/>
+          <a:p>
+            <a:pPr indent="0" lvl="0" marL="0" rtl="0" algn="ctr">
+              <a:spcBef>
+                <a:spcPts val="0"/>
+              </a:spcBef>
+              <a:spcAft>
+                <a:spcPts val="0"/>
+              </a:spcAft>
+              <a:buNone/>
+            </a:pPr>
+            <a:r>
+              <a:t/>
+            </a:r>
+            <a:endParaRPr>
+              <a:latin typeface="Lato"/>
+              <a:ea typeface="Lato"/>
+              <a:cs typeface="Lato"/>
+              <a:sym typeface="Lato"/>
+            </a:endParaRPr>
+          </a:p>
+        </p:txBody>
+      </p:sp>
+      <p:sp>
+        <p:nvSpPr>
+          <p:cNvPr id="131" name="Google Shape;131;p20"/>
+          <p:cNvSpPr/>
+          <p:nvPr/>
+        </p:nvSpPr>
+        <p:spPr>
+          <a:xfrm>
+            <a:off x="324050" y="897625"/>
+            <a:ext cx="3543900" cy="103500"/>
+          </a:xfrm>
+          <a:prstGeom prst="rect">
+            <a:avLst/>
+          </a:prstGeom>
+          <a:noFill/>
+          <a:ln cap="flat" cmpd="sng" w="9525">
+            <a:solidFill>
+              <a:srgbClr val="FF0000"/>
+            </a:solidFill>
+            <a:prstDash val="solid"/>
+            <a:round/>
+            <a:headEnd len="sm" w="sm" type="none"/>
+            <a:tailEnd len="sm" w="sm" type="none"/>
+          </a:ln>
+        </p:spPr>
+        <p:txBody>
+          <a:bodyPr anchorCtr="0" anchor="ctr" bIns="91425" lIns="91425" spcFirstLastPara="1" rIns="91425" wrap="square" tIns="91425">
+            <a:noAutofit/>
+          </a:bodyPr>
+          <a:lstStyle/>
+          <a:p>
+            <a:pPr indent="0" lvl="0" marL="0" rtl="0" algn="ctr">
+              <a:spcBef>
+                <a:spcPts val="0"/>
+              </a:spcBef>
+              <a:spcAft>
+                <a:spcPts val="0"/>
+              </a:spcAft>
+              <a:buNone/>
+            </a:pPr>
+            <a:r>
+              <a:t/>
+            </a:r>
+            <a:endParaRPr>
+              <a:latin typeface="Lato"/>
+              <a:ea typeface="Lato"/>
+              <a:cs typeface="Lato"/>
+              <a:sym typeface="Lato"/>
+            </a:endParaRPr>
+          </a:p>
+        </p:txBody>
+      </p:sp>
+      <p:sp>
+        <p:nvSpPr>
+          <p:cNvPr id="132" name="Google Shape;132;p20"/>
+          <p:cNvSpPr/>
+          <p:nvPr/>
+        </p:nvSpPr>
+        <p:spPr>
+          <a:xfrm>
+            <a:off x="2096725" y="3240475"/>
+            <a:ext cx="206100" cy="103500"/>
+          </a:xfrm>
+          <a:prstGeom prst="rect">
+            <a:avLst/>
+          </a:prstGeom>
+          <a:noFill/>
+          <a:ln cap="flat" cmpd="sng" w="9525">
+            <a:solidFill>
+              <a:srgbClr val="FF0000"/>
+            </a:solidFill>
+            <a:prstDash val="solid"/>
+            <a:round/>
+            <a:headEnd len="sm" w="sm" type="none"/>
+            <a:tailEnd len="sm" w="sm" type="none"/>
+          </a:ln>
+        </p:spPr>
+        <p:txBody>
+          <a:bodyPr anchorCtr="0" anchor="ctr" bIns="91425" lIns="91425" spcFirstLastPara="1" rIns="91425" wrap="square" tIns="91425">
+            <a:noAutofit/>
+          </a:bodyPr>
+          <a:lstStyle/>
+          <a:p>
+            <a:pPr indent="0" lvl="0" marL="0" rtl="0" algn="ctr">
+              <a:spcBef>
+                <a:spcPts val="0"/>
+              </a:spcBef>
+              <a:spcAft>
+                <a:spcPts val="0"/>
+              </a:spcAft>
+              <a:buNone/>
+            </a:pPr>
+            <a:r>
+              <a:t/>
+            </a:r>
+            <a:endParaRPr>
+              <a:latin typeface="Lato"/>
+              <a:ea typeface="Lato"/>
+              <a:cs typeface="Lato"/>
+              <a:sym typeface="Lato"/>
+            </a:endParaRPr>
+          </a:p>
+        </p:txBody>
+      </p:sp>
+      <p:sp>
+        <p:nvSpPr>
+          <p:cNvPr id="133" name="Google Shape;133;p20"/>
+          <p:cNvSpPr/>
+          <p:nvPr/>
+        </p:nvSpPr>
+        <p:spPr>
+          <a:xfrm>
+            <a:off x="324050" y="1118975"/>
+            <a:ext cx="579300" cy="103500"/>
+          </a:xfrm>
+          <a:prstGeom prst="rect">
+            <a:avLst/>
+          </a:prstGeom>
+          <a:noFill/>
+          <a:ln cap="flat" cmpd="sng" w="9525">
+            <a:solidFill>
+              <a:srgbClr val="FFFF00"/>
+            </a:solidFill>
+            <a:prstDash val="solid"/>
+            <a:round/>
+            <a:headEnd len="sm" w="sm" type="none"/>
+            <a:tailEnd len="sm" w="sm" type="none"/>
+          </a:ln>
+        </p:spPr>
+        <p:txBody>
+          <a:bodyPr anchorCtr="0" anchor="ctr" bIns="91425" lIns="91425" spcFirstLastPara="1" rIns="91425" wrap="square" tIns="91425">
+            <a:noAutofit/>
+          </a:bodyPr>
+          <a:lstStyle/>
+          <a:p>
+            <a:pPr indent="0" lvl="0" marL="0" rtl="0" algn="ctr">
+              <a:spcBef>
+                <a:spcPts val="0"/>
+              </a:spcBef>
+              <a:spcAft>
+                <a:spcPts val="0"/>
+              </a:spcAft>
+              <a:buNone/>
+            </a:pPr>
+            <a:r>
+              <a:t/>
+            </a:r>
+            <a:endParaRPr>
+              <a:latin typeface="Lato"/>
+              <a:ea typeface="Lato"/>
+              <a:cs typeface="Lato"/>
+              <a:sym typeface="Lato"/>
+            </a:endParaRPr>
+          </a:p>
+        </p:txBody>
+      </p:sp>
+      <p:sp>
+        <p:nvSpPr>
+          <p:cNvPr id="134" name="Google Shape;134;p20"/>
+          <p:cNvSpPr/>
+          <p:nvPr/>
+        </p:nvSpPr>
+        <p:spPr>
+          <a:xfrm>
+            <a:off x="2317950" y="3240475"/>
+            <a:ext cx="79800" cy="103500"/>
+          </a:xfrm>
+          <a:prstGeom prst="rect">
+            <a:avLst/>
+          </a:prstGeom>
+          <a:noFill/>
+          <a:ln cap="flat" cmpd="sng" w="9525">
+            <a:solidFill>
+              <a:srgbClr val="FFFF00"/>
+            </a:solidFill>
+            <a:prstDash val="solid"/>
+            <a:round/>
+            <a:headEnd len="sm" w="sm" type="none"/>
+            <a:tailEnd len="sm" w="sm" type="none"/>
+          </a:ln>
+        </p:spPr>
+        <p:txBody>
+          <a:bodyPr anchorCtr="0" anchor="ctr" bIns="91425" lIns="91425" spcFirstLastPara="1" rIns="91425" wrap="square" tIns="91425">
+            <a:noAutofit/>
+          </a:bodyPr>
+          <a:lstStyle/>
+          <a:p>
+            <a:pPr indent="0" lvl="0" marL="0" rtl="0" algn="ctr">
+              <a:spcBef>
+                <a:spcPts val="0"/>
+              </a:spcBef>
+              <a:spcAft>
+                <a:spcPts val="0"/>
+              </a:spcAft>
+              <a:buNone/>
+            </a:pPr>
+            <a:r>
+              <a:t/>
+            </a:r>
+            <a:endParaRPr>
+              <a:latin typeface="Lato"/>
+              <a:ea typeface="Lato"/>
+              <a:cs typeface="Lato"/>
+              <a:sym typeface="Lato"/>
+            </a:endParaRPr>
+          </a:p>
+        </p:txBody>
+      </p:sp>
+      <p:sp>
+        <p:nvSpPr>
+          <p:cNvPr id="135" name="Google Shape;135;p20"/>
+          <p:cNvSpPr/>
+          <p:nvPr/>
+        </p:nvSpPr>
+        <p:spPr>
+          <a:xfrm>
+            <a:off x="490275" y="1443825"/>
+            <a:ext cx="4665600" cy="103500"/>
+          </a:xfrm>
+          <a:prstGeom prst="rect">
+            <a:avLst/>
+          </a:prstGeom>
+          <a:noFill/>
+          <a:ln cap="flat" cmpd="sng" w="9525">
+            <a:solidFill>
+              <a:srgbClr val="FFFF00"/>
+            </a:solidFill>
+            <a:prstDash val="solid"/>
+            <a:round/>
+            <a:headEnd len="sm" w="sm" type="none"/>
+            <a:tailEnd len="sm" w="sm" type="none"/>
+          </a:ln>
+        </p:spPr>
+        <p:txBody>
+          <a:bodyPr anchorCtr="0" anchor="ctr" bIns="91425" lIns="91425" spcFirstLastPara="1" rIns="91425" wrap="square" tIns="91425">
+            <a:noAutofit/>
+          </a:bodyPr>
+          <a:lstStyle/>
+          <a:p>
+            <a:pPr indent="0" lvl="0" marL="0" rtl="0" algn="ctr">
+              <a:spcBef>
+                <a:spcPts val="0"/>
+              </a:spcBef>
+              <a:spcAft>
+                <a:spcPts val="0"/>
+              </a:spcAft>
+              <a:buNone/>
+            </a:pPr>
+            <a:r>
+              <a:t/>
+            </a:r>
+            <a:endParaRPr>
+              <a:latin typeface="Lato"/>
+              <a:ea typeface="Lato"/>
+              <a:cs typeface="Lato"/>
+              <a:sym typeface="Lato"/>
+            </a:endParaRPr>
+          </a:p>
+        </p:txBody>
+      </p:sp>
+      <p:sp>
+        <p:nvSpPr>
+          <p:cNvPr id="136" name="Google Shape;136;p20"/>
+          <p:cNvSpPr/>
+          <p:nvPr/>
+        </p:nvSpPr>
+        <p:spPr>
+          <a:xfrm>
+            <a:off x="490275" y="1764800"/>
+            <a:ext cx="848700" cy="103500"/>
+          </a:xfrm>
+          <a:prstGeom prst="rect">
+            <a:avLst/>
+          </a:prstGeom>
+          <a:noFill/>
+          <a:ln cap="flat" cmpd="sng" w="9525">
+            <a:solidFill>
+              <a:srgbClr val="FFFF00"/>
+            </a:solidFill>
+            <a:prstDash val="solid"/>
+            <a:round/>
+            <a:headEnd len="sm" w="sm" type="none"/>
+            <a:tailEnd len="sm" w="sm" type="none"/>
+          </a:ln>
+        </p:spPr>
+        <p:txBody>
+          <a:bodyPr anchorCtr="0" anchor="ctr" bIns="91425" lIns="91425" spcFirstLastPara="1" rIns="91425" wrap="square" tIns="91425">
+            <a:noAutofit/>
+          </a:bodyPr>
+          <a:lstStyle/>
+          <a:p>
+            <a:pPr indent="0" lvl="0" marL="0" rtl="0" algn="ctr">
+              <a:spcBef>
+                <a:spcPts val="0"/>
+              </a:spcBef>
+              <a:spcAft>
+                <a:spcPts val="0"/>
+              </a:spcAft>
+              <a:buNone/>
+            </a:pPr>
+            <a:r>
+              <a:t/>
+            </a:r>
+            <a:endParaRPr>
+              <a:latin typeface="Lato"/>
+              <a:ea typeface="Lato"/>
+              <a:cs typeface="Lato"/>
+              <a:sym typeface="Lato"/>
+            </a:endParaRPr>
+          </a:p>
+        </p:txBody>
+      </p:sp>
+      <p:sp>
+        <p:nvSpPr>
+          <p:cNvPr id="137" name="Google Shape;137;p20"/>
+          <p:cNvSpPr/>
+          <p:nvPr/>
+        </p:nvSpPr>
+        <p:spPr>
+          <a:xfrm>
+            <a:off x="324050" y="1220550"/>
+            <a:ext cx="635400" cy="103500"/>
+          </a:xfrm>
+          <a:prstGeom prst="rect">
+            <a:avLst/>
+          </a:prstGeom>
+          <a:noFill/>
+          <a:ln cap="flat" cmpd="sng" w="9525">
+            <a:solidFill>
+              <a:srgbClr val="FF00FF"/>
+            </a:solidFill>
+            <a:prstDash val="solid"/>
+            <a:round/>
+            <a:headEnd len="sm" w="sm" type="none"/>
+            <a:tailEnd len="sm" w="sm" type="none"/>
+          </a:ln>
+        </p:spPr>
+        <p:txBody>
+          <a:bodyPr anchorCtr="0" anchor="ctr" bIns="91425" lIns="91425" spcFirstLastPara="1" rIns="91425" wrap="square" tIns="91425">
+            <a:noAutofit/>
+          </a:bodyPr>
+          <a:lstStyle/>
+          <a:p>
+            <a:pPr indent="0" lvl="0" marL="0" rtl="0" algn="ctr">
+              <a:spcBef>
+                <a:spcPts val="0"/>
+              </a:spcBef>
+              <a:spcAft>
+                <a:spcPts val="0"/>
+              </a:spcAft>
+              <a:buNone/>
+            </a:pPr>
+            <a:r>
+              <a:t/>
+            </a:r>
+            <a:endParaRPr>
+              <a:latin typeface="Lato"/>
+              <a:ea typeface="Lato"/>
+              <a:cs typeface="Lato"/>
+              <a:sym typeface="Lato"/>
+            </a:endParaRPr>
+          </a:p>
+        </p:txBody>
+      </p:sp>
+      <p:sp>
+        <p:nvSpPr>
+          <p:cNvPr id="138" name="Google Shape;138;p20"/>
+          <p:cNvSpPr/>
+          <p:nvPr/>
+        </p:nvSpPr>
+        <p:spPr>
+          <a:xfrm>
+            <a:off x="490275" y="1543450"/>
+            <a:ext cx="4927800" cy="103500"/>
+          </a:xfrm>
+          <a:prstGeom prst="rect">
+            <a:avLst/>
+          </a:prstGeom>
+          <a:noFill/>
+          <a:ln cap="flat" cmpd="sng" w="9525">
+            <a:solidFill>
+              <a:srgbClr val="FF00FF"/>
+            </a:solidFill>
+            <a:prstDash val="solid"/>
+            <a:round/>
+            <a:headEnd len="sm" w="sm" type="none"/>
+            <a:tailEnd len="sm" w="sm" type="none"/>
+          </a:ln>
+        </p:spPr>
+        <p:txBody>
+          <a:bodyPr anchorCtr="0" anchor="ctr" bIns="91425" lIns="91425" spcFirstLastPara="1" rIns="91425" wrap="square" tIns="91425">
+            <a:noAutofit/>
+          </a:bodyPr>
+          <a:lstStyle/>
+          <a:p>
+            <a:pPr indent="0" lvl="0" marL="0" rtl="0" algn="ctr">
+              <a:spcBef>
+                <a:spcPts val="0"/>
+              </a:spcBef>
+              <a:spcAft>
+                <a:spcPts val="0"/>
+              </a:spcAft>
+              <a:buNone/>
+            </a:pPr>
+            <a:r>
+              <a:t/>
+            </a:r>
+            <a:endParaRPr>
+              <a:latin typeface="Lato"/>
+              <a:ea typeface="Lato"/>
+              <a:cs typeface="Lato"/>
+              <a:sym typeface="Lato"/>
+            </a:endParaRPr>
+          </a:p>
+        </p:txBody>
+      </p:sp>
+      <p:sp>
+        <p:nvSpPr>
+          <p:cNvPr id="139" name="Google Shape;139;p20"/>
+          <p:cNvSpPr/>
+          <p:nvPr/>
+        </p:nvSpPr>
+        <p:spPr>
+          <a:xfrm>
+            <a:off x="490275" y="1875475"/>
+            <a:ext cx="4224000" cy="103500"/>
+          </a:xfrm>
+          <a:prstGeom prst="rect">
+            <a:avLst/>
+          </a:prstGeom>
+          <a:noFill/>
+          <a:ln cap="flat" cmpd="sng" w="9525">
+            <a:solidFill>
+              <a:srgbClr val="FF00FF"/>
+            </a:solidFill>
+            <a:prstDash val="solid"/>
+            <a:round/>
+            <a:headEnd len="sm" w="sm" type="none"/>
+            <a:tailEnd len="sm" w="sm" type="none"/>
+          </a:ln>
+        </p:spPr>
+        <p:txBody>
+          <a:bodyPr anchorCtr="0" anchor="ctr" bIns="91425" lIns="91425" spcFirstLastPara="1" rIns="91425" wrap="square" tIns="91425">
+            <a:noAutofit/>
+          </a:bodyPr>
+          <a:lstStyle/>
+          <a:p>
+            <a:pPr indent="0" lvl="0" marL="0" rtl="0" algn="ctr">
+              <a:spcBef>
+                <a:spcPts val="0"/>
+              </a:spcBef>
+              <a:spcAft>
+                <a:spcPts val="0"/>
+              </a:spcAft>
+              <a:buNone/>
+            </a:pPr>
+            <a:r>
+              <a:t/>
+            </a:r>
+            <a:endParaRPr>
+              <a:latin typeface="Lato"/>
+              <a:ea typeface="Lato"/>
+              <a:cs typeface="Lato"/>
+              <a:sym typeface="Lato"/>
+            </a:endParaRPr>
+          </a:p>
+        </p:txBody>
+      </p:sp>
+      <p:sp>
+        <p:nvSpPr>
+          <p:cNvPr id="140" name="Google Shape;140;p20"/>
+          <p:cNvSpPr/>
+          <p:nvPr/>
+        </p:nvSpPr>
+        <p:spPr>
+          <a:xfrm>
+            <a:off x="2412875" y="3240475"/>
+            <a:ext cx="244500" cy="103500"/>
+          </a:xfrm>
+          <a:prstGeom prst="rect">
+            <a:avLst/>
+          </a:prstGeom>
+          <a:noFill/>
+          <a:ln cap="flat" cmpd="sng" w="9525">
+            <a:solidFill>
+              <a:srgbClr val="FF00FF"/>
+            </a:solidFill>
+            <a:prstDash val="solid"/>
+            <a:round/>
+            <a:headEnd len="sm" w="sm" type="none"/>
+            <a:tailEnd len="sm" w="sm" type="none"/>
+          </a:ln>
+        </p:spPr>
+        <p:txBody>
+          <a:bodyPr anchorCtr="0" anchor="ctr" bIns="91425" lIns="91425" spcFirstLastPara="1" rIns="91425" wrap="square" tIns="91425">
+            <a:noAutofit/>
+          </a:bodyPr>
+          <a:lstStyle/>
+          <a:p>
+            <a:pPr indent="0" lvl="0" marL="0" rtl="0" algn="ctr">
+              <a:spcBef>
+                <a:spcPts val="0"/>
+              </a:spcBef>
+              <a:spcAft>
+                <a:spcPts val="0"/>
+              </a:spcAft>
+              <a:buNone/>
+            </a:pPr>
+            <a:r>
+              <a:t/>
+            </a:r>
+            <a:endParaRPr>
+              <a:latin typeface="Lato"/>
+              <a:ea typeface="Lato"/>
+              <a:cs typeface="Lato"/>
+              <a:sym typeface="Lato"/>
+            </a:endParaRPr>
+          </a:p>
+        </p:txBody>
+      </p:sp>
+      <p:sp>
+        <p:nvSpPr>
+          <p:cNvPr id="141" name="Google Shape;141;p20"/>
+          <p:cNvSpPr/>
+          <p:nvPr/>
+        </p:nvSpPr>
+        <p:spPr>
+          <a:xfrm>
+            <a:off x="324050" y="2198375"/>
+            <a:ext cx="8667600" cy="220500"/>
+          </a:xfrm>
+          <a:prstGeom prst="rect">
+            <a:avLst/>
+          </a:prstGeom>
+          <a:noFill/>
+          <a:ln cap="flat" cmpd="sng" w="9525">
+            <a:solidFill>
+              <a:srgbClr val="FFFFFF"/>
+            </a:solidFill>
+            <a:prstDash val="solid"/>
+            <a:round/>
+            <a:headEnd len="sm" w="sm" type="none"/>
+            <a:tailEnd len="sm" w="sm" type="none"/>
+          </a:ln>
+        </p:spPr>
+        <p:txBody>
+          <a:bodyPr anchorCtr="0" anchor="ctr" bIns="91425" lIns="91425" spcFirstLastPara="1" rIns="91425" wrap="square" tIns="91425">
+            <a:noAutofit/>
+          </a:bodyPr>
+          <a:lstStyle/>
+          <a:p>
+            <a:pPr indent="0" lvl="0" marL="0" rtl="0" algn="ctr">
+              <a:spcBef>
+                <a:spcPts val="0"/>
+              </a:spcBef>
+              <a:spcAft>
+                <a:spcPts val="0"/>
+              </a:spcAft>
+              <a:buNone/>
+            </a:pPr>
+            <a:r>
+              <a:t/>
+            </a:r>
+            <a:endParaRPr>
+              <a:latin typeface="Lato"/>
+              <a:ea typeface="Lato"/>
+              <a:cs typeface="Lato"/>
+              <a:sym typeface="Lato"/>
+            </a:endParaRPr>
+          </a:p>
+        </p:txBody>
+      </p:sp>
+      <p:sp>
+        <p:nvSpPr>
+          <p:cNvPr id="142" name="Google Shape;142;p20"/>
+          <p:cNvSpPr/>
+          <p:nvPr/>
+        </p:nvSpPr>
+        <p:spPr>
+          <a:xfrm>
+            <a:off x="2131200" y="3399525"/>
+            <a:ext cx="1112700" cy="1590900"/>
+          </a:xfrm>
+          <a:prstGeom prst="rect">
+            <a:avLst/>
+          </a:prstGeom>
+          <a:noFill/>
+          <a:ln cap="flat" cmpd="sng" w="19050">
+            <a:solidFill>
+              <a:srgbClr val="FFFFFF"/>
+            </a:solidFill>
+            <a:prstDash val="solid"/>
+            <a:round/>
+            <a:headEnd len="sm" w="sm" type="none"/>
+            <a:tailEnd len="sm" w="sm" type="none"/>
+          </a:ln>
+        </p:spPr>
+        <p:txBody>
+          <a:bodyPr anchorCtr="0" anchor="ctr" bIns="91425" lIns="91425" spcFirstLastPara="1" rIns="91425" wrap="square" tIns="91425">
+            <a:noAutofit/>
+          </a:bodyPr>
+          <a:lstStyle/>
+          <a:p>
+            <a:pPr indent="0" lvl="0" marL="0" rtl="0" algn="ctr">
+              <a:spcBef>
+                <a:spcPts val="0"/>
+              </a:spcBef>
+              <a:spcAft>
+                <a:spcPts val="0"/>
+              </a:spcAft>
+              <a:buNone/>
+            </a:pPr>
+            <a:r>
+              <a:t/>
+            </a:r>
+            <a:endParaRPr>
+              <a:latin typeface="Lato"/>
+              <a:ea typeface="Lato"/>
+              <a:cs typeface="Lato"/>
+              <a:sym typeface="Lato"/>
+            </a:endParaRPr>
+          </a:p>
+        </p:txBody>
+      </p:sp>
+    </p:spTree>
+  </p:cSld>
+  <p:clrMapOvr>
+    <a:masterClrMapping/>
+  </p:clrMapOvr>
+</p:sld>
+</file>
+
+<file path=ppt/slides/slide9.xml><?xml version="1.0" encoding="utf-8"?>
+<p:sld xmlns:a="http://schemas.openxmlformats.org/drawingml/2006/main" xmlns:r="http://schemas.openxmlformats.org/officeDocument/2006/relationships" xmlns:mc="http://schemas.openxmlformats.org/markup-compatibility/2006" xmlns:mv="urn:schemas-microsoft-com:mac:vml" xmlns:p="http://schemas.openxmlformats.org/presentationml/2006/main" xmlns:c="http://schemas.openxmlformats.org/drawingml/2006/chart" xmlns:dgm="http://schemas.openxmlformats.org/drawingml/2006/diagram" xmlns:o="urn:schemas-microsoft-com:office:office" xmlns:v="urn:schemas-microsoft-com:vml" xmlns:pvml="urn:schemas-microsoft-com:office:powerpoint" xmlns:com="http://schemas.openxmlformats.org/drawingml/2006/compatibility" xmlns:p14="http://schemas.microsoft.com/office/powerpoint/2010/main" xmlns:p15="http://schemas.microsoft.com/office/powerpoint/2012/main" xmlns:ahyp="http://schemas.microsoft.com/office/drawing/2018/hyperlinkcolor">
+  <p:cSld>
+    <p:spTree>
+      <p:nvGrpSpPr>
+        <p:cNvPr id="146" name="Shape 146"/>
+        <p:cNvGrpSpPr/>
+        <p:nvPr/>
+      </p:nvGrpSpPr>
+      <p:grpSpPr>
+        <a:xfrm>
+          <a:off x="0" y="0"/>
+          <a:ext cx="0" cy="0"/>
+          <a:chOff x="0" y="0"/>
+          <a:chExt cx="0" cy="0"/>
+        </a:xfrm>
+      </p:grpSpPr>
+      <p:pic>
+        <p:nvPicPr>
+          <p:cNvPr id="147" name="Google Shape;147;p21"/>
+          <p:cNvPicPr preferRelativeResize="0"/>
+          <p:nvPr/>
+        </p:nvPicPr>
+        <p:blipFill>
+          <a:blip r:embed="rId3">
+            <a:alphaModFix/>
+          </a:blip>
+          <a:stretch>
+            <a:fillRect/>
+          </a:stretch>
+        </p:blipFill>
+        <p:spPr>
+          <a:xfrm>
+            <a:off x="161512" y="116500"/>
+            <a:ext cx="8820976" cy="1772900"/>
+          </a:xfrm>
+          <a:prstGeom prst="rect">
+            <a:avLst/>
+          </a:prstGeom>
+          <a:noFill/>
+          <a:ln>
+            <a:noFill/>
+          </a:ln>
+        </p:spPr>
+      </p:pic>
+      <p:pic>
+        <p:nvPicPr>
+          <p:cNvPr id="148" name="Google Shape;148;p21"/>
+          <p:cNvPicPr preferRelativeResize="0"/>
+          <p:nvPr/>
+        </p:nvPicPr>
+        <p:blipFill>
+          <a:blip r:embed="rId4">
+            <a:alphaModFix/>
+          </a:blip>
+          <a:stretch>
+            <a:fillRect/>
+          </a:stretch>
+        </p:blipFill>
+        <p:spPr>
+          <a:xfrm>
+            <a:off x="2363300" y="1939525"/>
+            <a:ext cx="4417400" cy="4235325"/>
+          </a:xfrm>
+          <a:prstGeom prst="rect">
+            <a:avLst/>
+          </a:prstGeom>
+          <a:noFill/>
+          <a:ln>
+            <a:noFill/>
+          </a:ln>
+        </p:spPr>
+      </p:pic>
     </p:spTree>
   </p:cSld>
   <p:clrMapOvr>
